--- a/2Dゲーム制作企画書.pptx
+++ b/2Dゲーム制作企画書.pptx
@@ -104,6 +104,11 @@
       </a:defRPr>
     </a:lvl9pPr>
   </p:defaultTextStyle>
+  <p:extLst>
+    <p:ext uri="{EFAFB233-063F-42B5-8137-9DF3F51BA10A}">
+      <p15:sldGuideLst xmlns:p15="http://schemas.microsoft.com/office/powerpoint/2012/main"/>
+    </p:ext>
+  </p:extLst>
 </p:presentation>
 </file>
 
@@ -238,7 +243,7 @@
           <a:p>
             <a:fld id="{33067FEB-1DA7-4990-B776-7355F216E053}" type="datetimeFigureOut">
               <a:rPr kumimoji="1" lang="ja-JP" altLang="en-US" smtClean="0"/>
-              <a:t>2022/9/28</a:t>
+              <a:t>2022/9/30</a:t>
             </a:fld>
             <a:endParaRPr kumimoji="1" lang="ja-JP" altLang="en-US"/>
           </a:p>
@@ -440,7 +445,7 @@
           <a:p>
             <a:fld id="{33067FEB-1DA7-4990-B776-7355F216E053}" type="datetimeFigureOut">
               <a:rPr kumimoji="1" lang="ja-JP" altLang="en-US" smtClean="0"/>
-              <a:t>2022/9/28</a:t>
+              <a:t>2022/9/30</a:t>
             </a:fld>
             <a:endParaRPr kumimoji="1" lang="ja-JP" altLang="en-US"/>
           </a:p>
@@ -652,7 +657,7 @@
           <a:p>
             <a:fld id="{33067FEB-1DA7-4990-B776-7355F216E053}" type="datetimeFigureOut">
               <a:rPr kumimoji="1" lang="ja-JP" altLang="en-US" smtClean="0"/>
-              <a:t>2022/9/28</a:t>
+              <a:t>2022/9/30</a:t>
             </a:fld>
             <a:endParaRPr kumimoji="1" lang="ja-JP" altLang="en-US"/>
           </a:p>
@@ -854,7 +859,7 @@
           <a:p>
             <a:fld id="{33067FEB-1DA7-4990-B776-7355F216E053}" type="datetimeFigureOut">
               <a:rPr kumimoji="1" lang="ja-JP" altLang="en-US" smtClean="0"/>
-              <a:t>2022/9/28</a:t>
+              <a:t>2022/9/30</a:t>
             </a:fld>
             <a:endParaRPr kumimoji="1" lang="ja-JP" altLang="en-US"/>
           </a:p>
@@ -1100,7 +1105,7 @@
           <a:p>
             <a:fld id="{33067FEB-1DA7-4990-B776-7355F216E053}" type="datetimeFigureOut">
               <a:rPr kumimoji="1" lang="ja-JP" altLang="en-US" smtClean="0"/>
-              <a:t>2022/9/28</a:t>
+              <a:t>2022/9/30</a:t>
             </a:fld>
             <a:endParaRPr kumimoji="1" lang="ja-JP" altLang="en-US"/>
           </a:p>
@@ -1396,7 +1401,7 @@
           <a:p>
             <a:fld id="{33067FEB-1DA7-4990-B776-7355F216E053}" type="datetimeFigureOut">
               <a:rPr kumimoji="1" lang="ja-JP" altLang="en-US" smtClean="0"/>
-              <a:t>2022/9/28</a:t>
+              <a:t>2022/9/30</a:t>
             </a:fld>
             <a:endParaRPr kumimoji="1" lang="ja-JP" altLang="en-US"/>
           </a:p>
@@ -1827,7 +1832,7 @@
           <a:p>
             <a:fld id="{33067FEB-1DA7-4990-B776-7355F216E053}" type="datetimeFigureOut">
               <a:rPr kumimoji="1" lang="ja-JP" altLang="en-US" smtClean="0"/>
-              <a:t>2022/9/28</a:t>
+              <a:t>2022/9/30</a:t>
             </a:fld>
             <a:endParaRPr kumimoji="1" lang="ja-JP" altLang="en-US"/>
           </a:p>
@@ -1945,7 +1950,7 @@
           <a:p>
             <a:fld id="{33067FEB-1DA7-4990-B776-7355F216E053}" type="datetimeFigureOut">
               <a:rPr kumimoji="1" lang="ja-JP" altLang="en-US" smtClean="0"/>
-              <a:t>2022/9/28</a:t>
+              <a:t>2022/9/30</a:t>
             </a:fld>
             <a:endParaRPr kumimoji="1" lang="ja-JP" altLang="en-US"/>
           </a:p>
@@ -2040,7 +2045,7 @@
           <a:p>
             <a:fld id="{33067FEB-1DA7-4990-B776-7355F216E053}" type="datetimeFigureOut">
               <a:rPr kumimoji="1" lang="ja-JP" altLang="en-US" smtClean="0"/>
-              <a:t>2022/9/28</a:t>
+              <a:t>2022/9/30</a:t>
             </a:fld>
             <a:endParaRPr kumimoji="1" lang="ja-JP" altLang="en-US"/>
           </a:p>
@@ -2349,7 +2354,7 @@
           <a:p>
             <a:fld id="{33067FEB-1DA7-4990-B776-7355F216E053}" type="datetimeFigureOut">
               <a:rPr kumimoji="1" lang="ja-JP" altLang="en-US" smtClean="0"/>
-              <a:t>2022/9/28</a:t>
+              <a:t>2022/9/30</a:t>
             </a:fld>
             <a:endParaRPr kumimoji="1" lang="ja-JP" altLang="en-US"/>
           </a:p>
@@ -2602,7 +2607,7 @@
           <a:p>
             <a:fld id="{33067FEB-1DA7-4990-B776-7355F216E053}" type="datetimeFigureOut">
               <a:rPr kumimoji="1" lang="ja-JP" altLang="en-US" smtClean="0"/>
-              <a:t>2022/9/28</a:t>
+              <a:t>2022/9/30</a:t>
             </a:fld>
             <a:endParaRPr kumimoji="1" lang="ja-JP" altLang="en-US"/>
           </a:p>
@@ -2847,7 +2852,7 @@
           <a:p>
             <a:fld id="{33067FEB-1DA7-4990-B776-7355F216E053}" type="datetimeFigureOut">
               <a:rPr kumimoji="1" lang="ja-JP" altLang="en-US" smtClean="0"/>
-              <a:t>2022/9/28</a:t>
+              <a:t>2022/9/30</a:t>
             </a:fld>
             <a:endParaRPr kumimoji="1" lang="ja-JP" altLang="en-US"/>
           </a:p>
@@ -3259,187 +3264,133 @@
             <a:spLocks noGrp="1"/>
           </p:cNvSpPr>
           <p:nvPr>
-            <p:ph type="ctrTitle"/>
+            <p:ph type="ctrTitle" idx="4294967295"/>
           </p:nvPr>
         </p:nvSpPr>
         <p:spPr>
           <a:xfrm>
-            <a:off x="1524000" y="1405719"/>
-            <a:ext cx="9144000" cy="2104244"/>
+            <a:off x="0" y="0"/>
+            <a:ext cx="12192000" cy="6858000"/>
           </a:xfrm>
         </p:spPr>
         <p:txBody>
           <a:bodyPr>
-            <a:normAutofit fontScale="90000"/>
+            <a:normAutofit/>
           </a:bodyPr>
           <a:lstStyle/>
           <a:p>
             <a:r>
-              <a:rPr lang="en-US" altLang="ja-JP" sz="2700" dirty="0"/>
+              <a:rPr lang="ja-JP" altLang="en-US" dirty="0" smtClean="0"/>
+              <a:t/>
+            </a:r>
+            <a:br>
+              <a:rPr lang="ja-JP" altLang="en-US" dirty="0" smtClean="0"/>
+            </a:br>
+            <a:r>
+              <a:rPr lang="ja-JP" altLang="en-US" dirty="0" smtClean="0"/>
+              <a:t/>
+            </a:r>
+            <a:br>
+              <a:rPr lang="ja-JP" altLang="en-US" dirty="0" smtClean="0"/>
+            </a:br>
+            <a:endParaRPr lang="ja-JP" altLang="en-US" dirty="0"/>
+          </a:p>
+        </p:txBody>
+      </p:sp>
+      <p:sp>
+        <p:nvSpPr>
+          <p:cNvPr id="20" name="正方形/長方形 19"/>
+          <p:cNvSpPr/>
+          <p:nvPr/>
+        </p:nvSpPr>
+        <p:spPr>
+          <a:xfrm>
+            <a:off x="2424752" y="1228397"/>
+            <a:ext cx="7342496" cy="4401205"/>
+          </a:xfrm>
+          <a:prstGeom prst="rect">
+            <a:avLst/>
+          </a:prstGeom>
+        </p:spPr>
+        <p:txBody>
+          <a:bodyPr wrap="square">
+            <a:spAutoFit/>
+          </a:bodyPr>
+          <a:lstStyle/>
+          <a:p>
+            <a:pPr algn="ctr"/>
+            <a:r>
+              <a:rPr lang="en-US" altLang="ja-JP" sz="2800" dirty="0"/>
               <a:t>2D</a:t>
             </a:r>
             <a:r>
-              <a:rPr lang="ja-JP" altLang="en-US" sz="2700" dirty="0"/>
+              <a:rPr lang="ja-JP" altLang="en-US" sz="2800" dirty="0"/>
               <a:t>ゲーム制作</a:t>
             </a:r>
-            <a:r>
-              <a:rPr lang="ja-JP" altLang="en-US" sz="2700" b="0" dirty="0" smtClean="0">
-                <a:effectLst/>
-              </a:rPr>
+            <a:br>
+              <a:rPr lang="ja-JP" altLang="en-US" sz="2800" dirty="0"/>
+            </a:br>
+            <a:r>
+              <a:rPr lang="ja-JP" altLang="en-US" sz="2800" dirty="0"/>
+              <a:t>メンバー　伏見猛　土居樹生　妹尾光一郎</a:t>
+            </a:r>
+            <a:br>
+              <a:rPr lang="ja-JP" altLang="en-US" sz="2800" dirty="0"/>
+            </a:br>
+            <a:r>
+              <a:rPr lang="ja-JP" altLang="en-US" sz="2800" dirty="0"/>
               <a:t/>
             </a:r>
             <a:br>
-              <a:rPr lang="ja-JP" altLang="en-US" sz="2700" b="0" dirty="0" smtClean="0">
-                <a:effectLst/>
-              </a:rPr>
+              <a:rPr lang="ja-JP" altLang="en-US" sz="2800" dirty="0"/>
             </a:br>
             <a:r>
-              <a:rPr lang="ja-JP" altLang="en-US" sz="2700" dirty="0"/>
-              <a:t>メンバー　伏見猛　土居樹生　妹尾光一郎</a:t>
-            </a:r>
-            <a:r>
-              <a:rPr lang="ja-JP" altLang="en-US" sz="2700" b="0" dirty="0" smtClean="0">
-                <a:effectLst/>
-              </a:rPr>
-              <a:t/>
+              <a:rPr lang="en-US" altLang="ja-JP" sz="2800" dirty="0"/>
+              <a:t>2D</a:t>
+            </a:r>
+            <a:r>
+              <a:rPr lang="ja-JP" altLang="en-US" sz="2800" dirty="0"/>
+              <a:t>人型シューティングゲーム</a:t>
             </a:r>
             <a:br>
-              <a:rPr lang="ja-JP" altLang="en-US" sz="2700" b="0" dirty="0" smtClean="0">
-                <a:effectLst/>
-              </a:rPr>
+              <a:rPr lang="ja-JP" altLang="en-US" sz="2800" dirty="0"/>
             </a:br>
             <a:r>
-              <a:rPr lang="ja-JP" altLang="en-US" sz="2700" b="0" dirty="0" smtClean="0">
-                <a:effectLst/>
-              </a:rPr>
-              <a:t/>
+              <a:rPr lang="ja-JP" altLang="en-US" sz="2800" dirty="0"/>
+              <a:t>横スクロール</a:t>
             </a:r>
             <a:br>
-              <a:rPr lang="ja-JP" altLang="en-US" sz="2700" b="0" dirty="0" smtClean="0">
-                <a:effectLst/>
-              </a:rPr>
+              <a:rPr lang="ja-JP" altLang="en-US" sz="2800" dirty="0"/>
             </a:br>
             <a:r>
-              <a:rPr lang="en-US" altLang="ja-JP" sz="2700" dirty="0"/>
-              <a:t>2D</a:t>
-            </a:r>
-            <a:r>
-              <a:rPr lang="ja-JP" altLang="en-US" sz="2700" dirty="0"/>
-              <a:t>人型シューティングゲーム</a:t>
-            </a:r>
-            <a:r>
-              <a:rPr lang="ja-JP" altLang="en-US" sz="2700" b="0" dirty="0" smtClean="0">
-                <a:effectLst/>
-              </a:rPr>
-              <a:t/>
+              <a:rPr lang="ja-JP" altLang="en-US" sz="2800" dirty="0"/>
+              <a:t>ステージをクリアしていくとボス戦</a:t>
             </a:r>
             <a:br>
-              <a:rPr lang="ja-JP" altLang="en-US" sz="2700" b="0" dirty="0" smtClean="0">
-                <a:effectLst/>
-              </a:rPr>
+              <a:rPr lang="ja-JP" altLang="en-US" sz="2800" dirty="0"/>
             </a:br>
             <a:r>
-              <a:rPr lang="ja-JP" altLang="en-US" sz="2700" dirty="0"/>
-              <a:t>横スクロール</a:t>
-            </a:r>
-            <a:r>
-              <a:rPr lang="ja-JP" altLang="en-US" sz="2700" b="0" dirty="0" smtClean="0">
-                <a:effectLst/>
-              </a:rPr>
-              <a:t/>
+              <a:rPr lang="ja-JP" altLang="en-US" sz="2800" dirty="0"/>
+              <a:t>ジャンプあり</a:t>
             </a:r>
             <a:br>
-              <a:rPr lang="ja-JP" altLang="en-US" sz="2700" b="0" dirty="0" smtClean="0">
-                <a:effectLst/>
-              </a:rPr>
+              <a:rPr lang="ja-JP" altLang="en-US" sz="2800" dirty="0"/>
             </a:br>
             <a:r>
-              <a:rPr lang="ja-JP" altLang="en-US" sz="2700" dirty="0"/>
-              <a:t>ステージをクリアしていくとボス戦</a:t>
-            </a:r>
-            <a:r>
-              <a:rPr lang="ja-JP" altLang="en-US" sz="2700" b="0" dirty="0" smtClean="0">
-                <a:effectLst/>
-              </a:rPr>
-              <a:t/>
+              <a:rPr lang="ja-JP" altLang="en-US" sz="2800" dirty="0"/>
+              <a:t>敵を倒すとアイテムが落ちる</a:t>
             </a:r>
             <a:br>
-              <a:rPr lang="ja-JP" altLang="en-US" sz="2700" b="0" dirty="0" smtClean="0">
-                <a:effectLst/>
-              </a:rPr>
+              <a:rPr lang="ja-JP" altLang="en-US" sz="2800" dirty="0"/>
             </a:br>
             <a:r>
-              <a:rPr lang="ja-JP" altLang="en-US" sz="2700" dirty="0"/>
-              <a:t>ジャンプあり</a:t>
-            </a:r>
-            <a:r>
-              <a:rPr lang="ja-JP" altLang="en-US" sz="2700" b="0" dirty="0" smtClean="0">
-                <a:effectLst/>
-              </a:rPr>
-              <a:t/>
+              <a:rPr lang="ja-JP" altLang="en-US" sz="2800" dirty="0"/>
+              <a:t>アイワナみたいな感じのマップ</a:t>
             </a:r>
             <a:br>
-              <a:rPr lang="ja-JP" altLang="en-US" sz="2700" b="0" dirty="0" smtClean="0">
-                <a:effectLst/>
-              </a:rPr>
+              <a:rPr lang="ja-JP" altLang="en-US" sz="2800" dirty="0"/>
             </a:br>
-            <a:r>
-              <a:rPr lang="ja-JP" altLang="en-US" sz="2700" dirty="0"/>
-              <a:t>敵を倒すとアイテムが落ちる</a:t>
-            </a:r>
-            <a:r>
-              <a:rPr lang="ja-JP" altLang="en-US" sz="2700" b="0" dirty="0" smtClean="0">
-                <a:effectLst/>
-              </a:rPr>
-              <a:t/>
-            </a:r>
-            <a:br>
-              <a:rPr lang="ja-JP" altLang="en-US" sz="2700" b="0" dirty="0" smtClean="0">
-                <a:effectLst/>
-              </a:rPr>
-            </a:br>
-            <a:r>
-              <a:rPr lang="ja-JP" altLang="en-US" sz="2700" dirty="0"/>
-              <a:t>アイワナみたいな感じのマップ</a:t>
-            </a:r>
-            <a:r>
-              <a:rPr lang="ja-JP" altLang="en-US" sz="1000" b="0" dirty="0" smtClean="0">
-                <a:effectLst/>
-              </a:rPr>
-              <a:t/>
-            </a:r>
-            <a:br>
-              <a:rPr lang="ja-JP" altLang="en-US" sz="1000" b="0" dirty="0" smtClean="0">
-                <a:effectLst/>
-              </a:rPr>
-            </a:br>
-            <a:r>
-              <a:rPr lang="ja-JP" altLang="en-US" sz="1000" dirty="0" smtClean="0"/>
-              <a:t/>
-            </a:r>
-            <a:br>
-              <a:rPr lang="ja-JP" altLang="en-US" sz="1000" dirty="0" smtClean="0"/>
-            </a:br>
-            <a:endParaRPr kumimoji="1" lang="ja-JP" altLang="en-US" sz="1000" dirty="0"/>
-          </a:p>
-        </p:txBody>
-      </p:sp>
-      <p:sp>
-        <p:nvSpPr>
-          <p:cNvPr id="3" name="サブタイトル 2"/>
-          <p:cNvSpPr>
-            <a:spLocks noGrp="1"/>
-          </p:cNvSpPr>
-          <p:nvPr>
-            <p:ph type="subTitle" idx="1"/>
-          </p:nvPr>
-        </p:nvSpPr>
-        <p:spPr/>
-        <p:txBody>
-          <a:bodyPr/>
-          <a:lstStyle/>
-          <a:p>
-            <a:endParaRPr kumimoji="1" lang="ja-JP" altLang="en-US" dirty="0"/>
+            <a:endParaRPr lang="ja-JP" altLang="en-US" sz="2800" dirty="0"/>
           </a:p>
         </p:txBody>
       </p:sp>
@@ -3453,6 +3404,13 @@
   <p:clrMapOvr>
     <a:masterClrMapping/>
   </p:clrMapOvr>
+  <p:timing>
+    <p:tnLst>
+      <p:par>
+        <p:cTn id="1" dur="indefinite" restart="never" nodeType="tmRoot"/>
+      </p:par>
+    </p:tnLst>
+  </p:timing>
 </p:sld>
 </file>
 
